--- a/WaterSquad_wildcat_hackathon.pptx
+++ b/WaterSquad_wildcat_hackathon.pptx
@@ -12838,8 +12838,8 @@
         </p:blipFill>
         <p:spPr>
           <a:xfrm>
-            <a:off x="806" y="-132591"/>
-            <a:ext cx="12631879" cy="2609184"/>
+            <a:off x="0" y="-96508"/>
+            <a:ext cx="12191194" cy="2518158"/>
           </a:xfrm>
           <a:prstGeom prst="rect">
             <a:avLst/>
